--- a/Slides/Geog4300 Fa17 Lecture 4-1 R Markdown.pptx
+++ b/Slides/Geog4300 Fa17 Lecture 4-1 R Markdown.pptx
@@ -258,7 +258,7 @@
           <a:p>
             <a:fld id="{4E1221BA-8760-4781-A3C9-22C85806C70B}" type="datetimeFigureOut">
               <a:rPr lang="en-US" smtClean="0"/>
-              <a:t>8/29/2017</a:t>
+              <a:t>9/6/2017</a:t>
             </a:fld>
             <a:endParaRPr lang="en-US"/>
           </a:p>
@@ -428,7 +428,7 @@
           <a:p>
             <a:fld id="{4E1221BA-8760-4781-A3C9-22C85806C70B}" type="datetimeFigureOut">
               <a:rPr lang="en-US" smtClean="0"/>
-              <a:t>8/29/2017</a:t>
+              <a:t>9/6/2017</a:t>
             </a:fld>
             <a:endParaRPr lang="en-US"/>
           </a:p>
@@ -608,7 +608,7 @@
           <a:p>
             <a:fld id="{4E1221BA-8760-4781-A3C9-22C85806C70B}" type="datetimeFigureOut">
               <a:rPr lang="en-US" smtClean="0"/>
-              <a:t>8/29/2017</a:t>
+              <a:t>9/6/2017</a:t>
             </a:fld>
             <a:endParaRPr lang="en-US"/>
           </a:p>
@@ -778,7 +778,7 @@
           <a:p>
             <a:fld id="{4E1221BA-8760-4781-A3C9-22C85806C70B}" type="datetimeFigureOut">
               <a:rPr lang="en-US" smtClean="0"/>
-              <a:t>8/29/2017</a:t>
+              <a:t>9/6/2017</a:t>
             </a:fld>
             <a:endParaRPr lang="en-US"/>
           </a:p>
@@ -1024,7 +1024,7 @@
           <a:p>
             <a:fld id="{4E1221BA-8760-4781-A3C9-22C85806C70B}" type="datetimeFigureOut">
               <a:rPr lang="en-US" smtClean="0"/>
-              <a:t>8/29/2017</a:t>
+              <a:t>9/6/2017</a:t>
             </a:fld>
             <a:endParaRPr lang="en-US"/>
           </a:p>
@@ -1256,7 +1256,7 @@
           <a:p>
             <a:fld id="{4E1221BA-8760-4781-A3C9-22C85806C70B}" type="datetimeFigureOut">
               <a:rPr lang="en-US" smtClean="0"/>
-              <a:t>8/29/2017</a:t>
+              <a:t>9/6/2017</a:t>
             </a:fld>
             <a:endParaRPr lang="en-US"/>
           </a:p>
@@ -1623,7 +1623,7 @@
           <a:p>
             <a:fld id="{4E1221BA-8760-4781-A3C9-22C85806C70B}" type="datetimeFigureOut">
               <a:rPr lang="en-US" smtClean="0"/>
-              <a:t>8/29/2017</a:t>
+              <a:t>9/6/2017</a:t>
             </a:fld>
             <a:endParaRPr lang="en-US"/>
           </a:p>
@@ -1741,7 +1741,7 @@
           <a:p>
             <a:fld id="{4E1221BA-8760-4781-A3C9-22C85806C70B}" type="datetimeFigureOut">
               <a:rPr lang="en-US" smtClean="0"/>
-              <a:t>8/29/2017</a:t>
+              <a:t>9/6/2017</a:t>
             </a:fld>
             <a:endParaRPr lang="en-US"/>
           </a:p>
@@ -1836,7 +1836,7 @@
           <a:p>
             <a:fld id="{4E1221BA-8760-4781-A3C9-22C85806C70B}" type="datetimeFigureOut">
               <a:rPr lang="en-US" smtClean="0"/>
-              <a:t>8/29/2017</a:t>
+              <a:t>9/6/2017</a:t>
             </a:fld>
             <a:endParaRPr lang="en-US"/>
           </a:p>
@@ -2113,7 +2113,7 @@
           <a:p>
             <a:fld id="{4E1221BA-8760-4781-A3C9-22C85806C70B}" type="datetimeFigureOut">
               <a:rPr lang="en-US" smtClean="0"/>
-              <a:t>8/29/2017</a:t>
+              <a:t>9/6/2017</a:t>
             </a:fld>
             <a:endParaRPr lang="en-US"/>
           </a:p>
@@ -2370,7 +2370,7 @@
           <a:p>
             <a:fld id="{4E1221BA-8760-4781-A3C9-22C85806C70B}" type="datetimeFigureOut">
               <a:rPr lang="en-US" smtClean="0"/>
-              <a:t>8/29/2017</a:t>
+              <a:t>9/6/2017</a:t>
             </a:fld>
             <a:endParaRPr lang="en-US"/>
           </a:p>
@@ -2583,7 +2583,7 @@
           <a:p>
             <a:fld id="{4E1221BA-8760-4781-A3C9-22C85806C70B}" type="datetimeFigureOut">
               <a:rPr lang="en-US" smtClean="0"/>
-              <a:t>8/29/2017</a:t>
+              <a:t>9/6/2017</a:t>
             </a:fld>
             <a:endParaRPr lang="en-US"/>
           </a:p>
@@ -3916,7 +3916,18 @@
                   </a:schemeClr>
                 </a:solidFill>
               </a:rPr>
-              <a:t>Copy code from last week to load the </a:t>
+              <a:t>Load </a:t>
+            </a:r>
+            <a:r>
+              <a:rPr lang="en-US" sz="3600" dirty="0" smtClean="0">
+                <a:solidFill>
+                  <a:schemeClr val="tx1">
+                    <a:lumMod val="85000"/>
+                    <a:lumOff val="15000"/>
+                  </a:schemeClr>
+                </a:solidFill>
+              </a:rPr>
+              <a:t>the </a:t>
             </a:r>
             <a:r>
               <a:rPr lang="en-US" sz="3600" dirty="0" err="1" smtClean="0">
@@ -3938,8 +3949,38 @@
                   </a:schemeClr>
                 </a:solidFill>
               </a:rPr>
-              <a:t> data you downloaded. </a:t>
-            </a:r>
+              <a:t> data </a:t>
+            </a:r>
+            <a:r>
+              <a:rPr lang="en-US" sz="3600" smtClean="0">
+                <a:solidFill>
+                  <a:schemeClr val="tx1">
+                    <a:lumMod val="85000"/>
+                    <a:lumOff val="15000"/>
+                  </a:schemeClr>
+                </a:solidFill>
+              </a:rPr>
+              <a:t>you </a:t>
+            </a:r>
+            <a:r>
+              <a:rPr lang="en-US" sz="3600" smtClean="0">
+                <a:solidFill>
+                  <a:schemeClr val="tx1">
+                    <a:lumMod val="85000"/>
+                    <a:lumOff val="15000"/>
+                  </a:schemeClr>
+                </a:solidFill>
+              </a:rPr>
+              <a:t>downloaded last week. </a:t>
+            </a:r>
+            <a:endParaRPr lang="en-US" sz="3600" dirty="0" smtClean="0">
+              <a:solidFill>
+                <a:schemeClr val="tx1">
+                  <a:lumMod val="85000"/>
+                  <a:lumOff val="15000"/>
+                </a:schemeClr>
+              </a:solidFill>
+            </a:endParaRPr>
           </a:p>
           <a:p>
             <a:pPr marL="571500" indent="-571500">
@@ -4016,29 +4057,7 @@
                   </a:schemeClr>
                 </a:solidFill>
               </a:rPr>
-              <a:t>Create </a:t>
-            </a:r>
-            <a:r>
-              <a:rPr lang="en-US" sz="3600" dirty="0" smtClean="0">
-                <a:solidFill>
-                  <a:schemeClr val="tx1">
-                    <a:lumMod val="85000"/>
-                    <a:lumOff val="15000"/>
-                  </a:schemeClr>
-                </a:solidFill>
-              </a:rPr>
-              <a:t>data frame with yearly mean precipitation</a:t>
-            </a:r>
-            <a:r>
-              <a:rPr lang="en-US" sz="3600" dirty="0" smtClean="0">
-                <a:solidFill>
-                  <a:schemeClr val="tx1">
-                    <a:lumMod val="85000"/>
-                    <a:lumOff val="15000"/>
-                  </a:schemeClr>
-                </a:solidFill>
-              </a:rPr>
-              <a:t>.</a:t>
+              <a:t>Create data frame with yearly mean precipitation.</a:t>
             </a:r>
             <a:endParaRPr lang="en-US" sz="3600" dirty="0">
               <a:solidFill>
@@ -4085,40 +4104,7 @@
                   </a:schemeClr>
                 </a:solidFill>
               </a:rPr>
-              <a:t> against year. Look </a:t>
-            </a:r>
-            <a:r>
-              <a:rPr lang="en-US" sz="3600" smtClean="0">
-                <a:solidFill>
-                  <a:schemeClr val="tx1">
-                    <a:lumMod val="85000"/>
-                    <a:lumOff val="15000"/>
-                  </a:schemeClr>
-                </a:solidFill>
-              </a:rPr>
-              <a:t>up “?plot” </a:t>
-            </a:r>
-            <a:r>
-              <a:rPr lang="en-US" sz="3600" dirty="0" smtClean="0">
-                <a:solidFill>
-                  <a:schemeClr val="tx1">
-                    <a:lumMod val="85000"/>
-                    <a:lumOff val="15000"/>
-                  </a:schemeClr>
-                </a:solidFill>
-              </a:rPr>
-              <a:t>to see how </a:t>
-            </a:r>
-            <a:r>
-              <a:rPr lang="en-US" sz="3600" smtClean="0">
-                <a:solidFill>
-                  <a:schemeClr val="tx1">
-                    <a:lumMod val="85000"/>
-                    <a:lumOff val="15000"/>
-                  </a:schemeClr>
-                </a:solidFill>
-              </a:rPr>
-              <a:t>it works.</a:t>
+              <a:t> against year. Look up “?plot” to see how it works.</a:t>
             </a:r>
             <a:endParaRPr lang="en-US" sz="1800" dirty="0">
               <a:solidFill>
